--- a/T1A3 presentation.pptx
+++ b/T1A3 presentation.pptx
@@ -3618,15 +3618,7 @@
             </a:pPr>
             <a:r>
               <a:rPr lang="en-US" sz="2400" dirty="0"/>
-              <a:t>Asks user for name input, uses </a:t>
-            </a:r>
-            <a:r>
-              <a:rPr lang="en-US" sz="2400"/>
-              <a:t>it throughout </a:t>
-            </a:r>
-            <a:r>
-              <a:rPr lang="en-US" sz="2400" dirty="0"/>
-              <a:t>quiz.</a:t>
+              <a:t>Asks user for name input, uses it throughout quiz.</a:t>
             </a:r>
           </a:p>
           <a:p>
@@ -4331,7 +4323,7 @@
         <p:spPr>
           <a:xfrm>
             <a:off x="857504" y="4648200"/>
-            <a:ext cx="4298696" cy="830997"/>
+            <a:ext cx="4298696" cy="1200329"/>
           </a:xfrm>
           <a:prstGeom prst="rect">
             <a:avLst/>
@@ -4354,7 +4346,7 @@
             </a:r>
             <a:r>
               <a:rPr lang="en-US" sz="2400" dirty="0"/>
-              <a:t> and bold used to improve user experience</a:t>
+              <a:t>, bold and italic are used to improve user experience</a:t>
             </a:r>
           </a:p>
         </p:txBody>
@@ -4374,7 +4366,7 @@
         <p:spPr>
           <a:xfrm>
             <a:off x="6432298" y="4648199"/>
-            <a:ext cx="4298696" cy="830997"/>
+            <a:ext cx="4298696" cy="1200329"/>
           </a:xfrm>
           <a:prstGeom prst="rect">
             <a:avLst/>
@@ -4393,8 +4385,13 @@
             </a:pPr>
             <a:r>
               <a:rPr lang="en-US" sz="2400" dirty="0"/>
-              <a:t>Users can choose Yes or No at end to gamble question</a:t>
-            </a:r>
+              <a:t>Users can choose Yes or No at end to gamble their points on </a:t>
+            </a:r>
+            <a:r>
+              <a:rPr lang="en-US" sz="2400"/>
+              <a:t>last question</a:t>
+            </a:r>
+            <a:endParaRPr lang="en-US" sz="2400" dirty="0"/>
           </a:p>
         </p:txBody>
       </p:sp>

--- a/T1A3 presentation.pptx
+++ b/T1A3 presentation.pptx
@@ -12,8 +12,9 @@
     <p:sldId id="263" r:id="rId6"/>
     <p:sldId id="259" r:id="rId7"/>
     <p:sldId id="260" r:id="rId8"/>
-    <p:sldId id="261" r:id="rId9"/>
-    <p:sldId id="264" r:id="rId10"/>
+    <p:sldId id="265" r:id="rId9"/>
+    <p:sldId id="261" r:id="rId10"/>
+    <p:sldId id="264" r:id="rId11"/>
   </p:sldIdLst>
   <p:sldSz cx="12192000" cy="6858000"/>
   <p:notesSz cx="6858000" cy="9144000"/>
@@ -3436,6 +3437,83 @@
 </p:sld>
 </file>
 
+<file path=ppt/slides/slide10.xml><?xml version="1.0" encoding="utf-8"?>
+<p:sld xmlns:a="http://schemas.openxmlformats.org/drawingml/2006/main" xmlns:r="http://schemas.openxmlformats.org/officeDocument/2006/relationships" xmlns:p="http://schemas.openxmlformats.org/presentationml/2006/main">
+  <p:cSld>
+    <p:spTree>
+      <p:nvGrpSpPr>
+        <p:cNvPr id="1" name=""/>
+        <p:cNvGrpSpPr/>
+        <p:nvPr/>
+      </p:nvGrpSpPr>
+      <p:grpSpPr>
+        <a:xfrm>
+          <a:off x="0" y="0"/>
+          <a:ext cx="0" cy="0"/>
+          <a:chOff x="0" y="0"/>
+          <a:chExt cx="0" cy="0"/>
+        </a:xfrm>
+      </p:grpSpPr>
+      <p:pic>
+        <p:nvPicPr>
+          <p:cNvPr id="1026" name="Picture 2">
+            <a:extLst>
+              <a:ext uri="{FF2B5EF4-FFF2-40B4-BE49-F238E27FC236}">
+                <a16:creationId xmlns:a16="http://schemas.microsoft.com/office/drawing/2014/main" id="{10D6DCBE-381A-1A4C-B49C-861AB9671677}"/>
+              </a:ext>
+            </a:extLst>
+          </p:cNvPr>
+          <p:cNvPicPr>
+            <a:picLocks noChangeAspect="1" noChangeArrowheads="1"/>
+          </p:cNvPicPr>
+          <p:nvPr/>
+        </p:nvPicPr>
+        <p:blipFill>
+          <a:blip r:embed="rId2">
+            <a:extLst>
+              <a:ext uri="{28A0092B-C50C-407E-A947-70E740481C1C}">
+                <a14:useLocalDpi xmlns:a14="http://schemas.microsoft.com/office/drawing/2010/main" val="0"/>
+              </a:ext>
+            </a:extLst>
+          </a:blip>
+          <a:srcRect/>
+          <a:stretch>
+            <a:fillRect/>
+          </a:stretch>
+        </p:blipFill>
+        <p:spPr bwMode="auto">
+          <a:xfrm>
+            <a:off x="492577" y="535213"/>
+            <a:ext cx="10204451" cy="5741041"/>
+          </a:xfrm>
+          <a:prstGeom prst="rect">
+            <a:avLst/>
+          </a:prstGeom>
+          <a:noFill/>
+          <a:extLst>
+            <a:ext uri="{909E8E84-426E-40DD-AFC4-6F175D3DCCD1}">
+              <a14:hiddenFill xmlns:a14="http://schemas.microsoft.com/office/drawing/2010/main">
+                <a:solidFill>
+                  <a:srgbClr val="FFFFFF"/>
+                </a:solidFill>
+              </a14:hiddenFill>
+            </a:ext>
+          </a:extLst>
+        </p:spPr>
+      </p:pic>
+    </p:spTree>
+    <p:extLst>
+      <p:ext uri="{BB962C8B-B14F-4D97-AF65-F5344CB8AC3E}">
+        <p14:creationId xmlns:p14="http://schemas.microsoft.com/office/powerpoint/2010/main" val="1956131157"/>
+      </p:ext>
+    </p:extLst>
+  </p:cSld>
+  <p:clrMapOvr>
+    <a:masterClrMapping/>
+  </p:clrMapOvr>
+</p:sld>
+</file>
+
 <file path=ppt/slides/slide2.xml><?xml version="1.0" encoding="utf-8"?>
 <p:sld xmlns:a="http://schemas.openxmlformats.org/drawingml/2006/main" xmlns:r="http://schemas.openxmlformats.org/officeDocument/2006/relationships" xmlns:p="http://schemas.openxmlformats.org/presentationml/2006/main">
   <p:cSld>
@@ -4385,13 +4463,8 @@
             </a:pPr>
             <a:r>
               <a:rPr lang="en-US" sz="2400" dirty="0"/>
-              <a:t>Users can choose Yes or No at end to gamble their points on </a:t>
-            </a:r>
-            <a:r>
-              <a:rPr lang="en-US" sz="2400"/>
-              <a:t>last question</a:t>
-            </a:r>
-            <a:endParaRPr lang="en-US" sz="2400" dirty="0"/>
+              <a:t>Users can choose Yes or No at end to gamble their points on last question</a:t>
+            </a:r>
           </a:p>
         </p:txBody>
       </p:sp>
@@ -4440,7 +4513,7 @@
         <p:spPr>
           <a:xfrm>
             <a:off x="857504" y="426720"/>
-            <a:ext cx="3076035" cy="769441"/>
+            <a:ext cx="5227841" cy="769441"/>
           </a:xfrm>
           <a:prstGeom prst="rect">
             <a:avLst/>
@@ -4455,17 +4528,17 @@
           <a:p>
             <a:r>
               <a:rPr lang="en-US" sz="4400" dirty="0"/>
-              <a:t>Other points</a:t>
-            </a:r>
-          </a:p>
-        </p:txBody>
-      </p:sp>
-      <p:sp>
-        <p:nvSpPr>
-          <p:cNvPr id="5" name="TextBox 4">
-            <a:extLst>
-              <a:ext uri="{FF2B5EF4-FFF2-40B4-BE49-F238E27FC236}">
-                <a16:creationId xmlns:a16="http://schemas.microsoft.com/office/drawing/2014/main" id="{D47F873E-581E-2544-8090-FED60755551A}"/>
+              <a:t>What Gems are used?</a:t>
+            </a:r>
+          </a:p>
+        </p:txBody>
+      </p:sp>
+      <p:sp>
+        <p:nvSpPr>
+          <p:cNvPr id="9" name="TextBox 8">
+            <a:extLst>
+              <a:ext uri="{FF2B5EF4-FFF2-40B4-BE49-F238E27FC236}">
+                <a16:creationId xmlns:a16="http://schemas.microsoft.com/office/drawing/2014/main" id="{B318317E-820E-D747-A4E2-FC88D2850A43}"/>
               </a:ext>
             </a:extLst>
           </p:cNvPr>
@@ -4474,8 +4547,8 @@
         </p:nvSpPr>
         <p:spPr>
           <a:xfrm>
-            <a:off x="857504" y="1353456"/>
-            <a:ext cx="10928096" cy="4585871"/>
+            <a:off x="857504" y="4648200"/>
+            <a:ext cx="4298696" cy="830997"/>
           </a:xfrm>
           <a:prstGeom prst="rect">
             <a:avLst/>
@@ -4494,114 +4567,84 @@
             </a:pPr>
             <a:r>
               <a:rPr lang="en-US" sz="2400" dirty="0"/>
-              <a:t>Ethical issues:</a:t>
-            </a:r>
-          </a:p>
-          <a:p>
-            <a:pPr marL="800100" lvl="1" indent="-342900">
-              <a:buFontTx/>
-              <a:buChar char="-"/>
-            </a:pPr>
-            <a:r>
-              <a:rPr lang="en-US" sz="2000" dirty="0"/>
-              <a:t>Idea for quiz came from a CNN quiz – it’s reference in the code as a comment but not displayed to user</a:t>
-            </a:r>
-          </a:p>
-          <a:p>
-            <a:pPr marL="800100" lvl="1" indent="-342900">
-              <a:buFontTx/>
-              <a:buChar char="-"/>
-            </a:pPr>
-            <a:r>
-              <a:rPr lang="en-US" sz="2000" dirty="0"/>
-              <a:t>Trump could get a Twitter account again making last question incorrect</a:t>
-            </a:r>
-          </a:p>
-          <a:p>
-            <a:pPr marL="800100" lvl="1" indent="-342900">
-              <a:buFontTx/>
-              <a:buChar char="-"/>
-            </a:pPr>
-            <a:r>
-              <a:rPr lang="en-US" sz="2000" dirty="0"/>
-              <a:t>As Trump doesn’t have an account any more, there is no way to verify answers being correct</a:t>
-            </a:r>
-          </a:p>
-          <a:p>
-            <a:pPr lvl="1"/>
-            <a:endParaRPr lang="en-US" sz="2000" dirty="0"/>
-          </a:p>
-          <a:p>
-            <a:pPr marL="590550" lvl="1" indent="-590550">
+              <a:t>Provides link to website to give credit for content</a:t>
+            </a:r>
+          </a:p>
+        </p:txBody>
+      </p:sp>
+      <p:sp>
+        <p:nvSpPr>
+          <p:cNvPr id="10" name="TextBox 9">
+            <a:extLst>
+              <a:ext uri="{FF2B5EF4-FFF2-40B4-BE49-F238E27FC236}">
+                <a16:creationId xmlns:a16="http://schemas.microsoft.com/office/drawing/2014/main" id="{A7004909-BBD4-D14B-A360-ABF3D94E4EED}"/>
+              </a:ext>
+            </a:extLst>
+          </p:cNvPr>
+          <p:cNvSpPr txBox="1"/>
+          <p:nvPr/>
+        </p:nvSpPr>
+        <p:spPr>
+          <a:xfrm>
+            <a:off x="6432298" y="4648199"/>
+            <a:ext cx="4298696" cy="1200329"/>
+          </a:xfrm>
+          <a:prstGeom prst="rect">
+            <a:avLst/>
+          </a:prstGeom>
+          <a:noFill/>
+        </p:spPr>
+        <p:txBody>
+          <a:bodyPr wrap="square" rtlCol="0">
+            <a:spAutoFit/>
+          </a:bodyPr>
+          <a:lstStyle/>
+          <a:p>
+            <a:pPr marL="571500" indent="-571500">
               <a:buFont typeface="Arial" panose="020B0604020202020204" pitchFamily="34" charset="0"/>
               <a:buChar char="•"/>
             </a:pPr>
             <a:r>
               <a:rPr lang="en-US" sz="2400" dirty="0"/>
-              <a:t>Wishlist items:</a:t>
-            </a:r>
-            <a:endParaRPr lang="en-US" sz="2000" dirty="0"/>
-          </a:p>
-          <a:p>
-            <a:pPr marL="800100" lvl="1" indent="-342900">
-              <a:buFontTx/>
-              <a:buChar char="-"/>
-            </a:pPr>
-            <a:r>
-              <a:rPr lang="en-US" sz="2000" dirty="0"/>
-              <a:t>Display ascii image of Trump or Kanye, depending on who the user entered for answers more often\</a:t>
-            </a:r>
-          </a:p>
-          <a:p>
-            <a:pPr marL="800100" lvl="1" indent="-342900">
-              <a:buFontTx/>
-              <a:buChar char="-"/>
-            </a:pPr>
-            <a:r>
-              <a:rPr lang="en-US" sz="2000" dirty="0"/>
-              <a:t>Store user scores</a:t>
-            </a:r>
-          </a:p>
-          <a:p>
-            <a:pPr marL="800100" lvl="1" indent="-342900">
-              <a:buFontTx/>
-              <a:buChar char="-"/>
-            </a:pPr>
-            <a:r>
-              <a:rPr lang="en-US" sz="2000" dirty="0"/>
-              <a:t>Remove duplication in gamble question code</a:t>
-            </a:r>
-          </a:p>
-          <a:p>
-            <a:pPr lvl="1"/>
-            <a:endParaRPr lang="en-US" sz="2000" dirty="0"/>
-          </a:p>
-          <a:p>
-            <a:pPr marL="590550" lvl="1" indent="-590550">
-              <a:buFont typeface="Arial" panose="020B0604020202020204" pitchFamily="34" charset="0"/>
-              <a:buChar char="•"/>
-            </a:pPr>
-            <a:r>
-              <a:rPr lang="en-US" sz="2400" dirty="0"/>
-              <a:t>Most enjoyable part?</a:t>
-            </a:r>
-          </a:p>
-          <a:p>
-            <a:pPr marL="800100" lvl="1" indent="-342900">
-              <a:buFontTx/>
-              <a:buChar char="-"/>
-            </a:pPr>
-            <a:r>
-              <a:rPr lang="en-US" sz="2000" dirty="0"/>
-              <a:t>Working out how to improve the user experience to make the app easy to understand and use</a:t>
-            </a:r>
-          </a:p>
-        </p:txBody>
-      </p:sp>
+              <a:t>Users can choose Yes or No at end to gamble their points on last question</a:t>
+            </a:r>
+          </a:p>
+        </p:txBody>
+      </p:sp>
+      <p:pic>
+        <p:nvPicPr>
+          <p:cNvPr id="11" name="Picture 10">
+            <a:extLst>
+              <a:ext uri="{FF2B5EF4-FFF2-40B4-BE49-F238E27FC236}">
+                <a16:creationId xmlns:a16="http://schemas.microsoft.com/office/drawing/2014/main" id="{ED335A90-26A6-FF4E-8E1C-73B443272800}"/>
+              </a:ext>
+            </a:extLst>
+          </p:cNvPr>
+          <p:cNvPicPr>
+            <a:picLocks noChangeAspect="1"/>
+          </p:cNvPicPr>
+          <p:nvPr/>
+        </p:nvPicPr>
+        <p:blipFill>
+          <a:blip r:embed="rId2"/>
+          <a:stretch>
+            <a:fillRect/>
+          </a:stretch>
+        </p:blipFill>
+        <p:spPr>
+          <a:xfrm>
+            <a:off x="857504" y="1596844"/>
+            <a:ext cx="4864100" cy="2832100"/>
+          </a:xfrm>
+          <a:prstGeom prst="rect">
+            <a:avLst/>
+          </a:prstGeom>
+        </p:spPr>
+      </p:pic>
     </p:spTree>
     <p:extLst>
       <p:ext uri="{BB962C8B-B14F-4D97-AF65-F5344CB8AC3E}">
-        <p14:creationId xmlns:p14="http://schemas.microsoft.com/office/powerpoint/2010/main" val="236066345"/>
+        <p14:creationId xmlns:p14="http://schemas.microsoft.com/office/powerpoint/2010/main" val="4273038043"/>
       </p:ext>
     </p:extLst>
   </p:cSld>
@@ -4628,57 +4671,188 @@
           <a:chExt cx="0" cy="0"/>
         </a:xfrm>
       </p:grpSpPr>
-      <p:pic>
-        <p:nvPicPr>
-          <p:cNvPr id="1026" name="Picture 2">
-            <a:extLst>
-              <a:ext uri="{FF2B5EF4-FFF2-40B4-BE49-F238E27FC236}">
-                <a16:creationId xmlns:a16="http://schemas.microsoft.com/office/drawing/2014/main" id="{10D6DCBE-381A-1A4C-B49C-861AB9671677}"/>
-              </a:ext>
-            </a:extLst>
-          </p:cNvPr>
-          <p:cNvPicPr>
-            <a:picLocks noChangeAspect="1" noChangeArrowheads="1"/>
-          </p:cNvPicPr>
+      <p:sp>
+        <p:nvSpPr>
+          <p:cNvPr id="2" name="TextBox 1">
+            <a:extLst>
+              <a:ext uri="{FF2B5EF4-FFF2-40B4-BE49-F238E27FC236}">
+                <a16:creationId xmlns:a16="http://schemas.microsoft.com/office/drawing/2014/main" id="{EF362691-BE59-FD43-B974-4C510C0CF7B7}"/>
+              </a:ext>
+            </a:extLst>
+          </p:cNvPr>
+          <p:cNvSpPr txBox="1"/>
           <p:nvPr/>
-        </p:nvPicPr>
-        <p:blipFill>
-          <a:blip r:embed="rId2">
-            <a:extLst>
-              <a:ext uri="{28A0092B-C50C-407E-A947-70E740481C1C}">
-                <a14:useLocalDpi xmlns:a14="http://schemas.microsoft.com/office/drawing/2010/main" val="0"/>
-              </a:ext>
-            </a:extLst>
-          </a:blip>
-          <a:srcRect/>
-          <a:stretch>
-            <a:fillRect/>
-          </a:stretch>
-        </p:blipFill>
-        <p:spPr bwMode="auto">
+        </p:nvSpPr>
+        <p:spPr>
           <a:xfrm>
-            <a:off x="492577" y="535213"/>
-            <a:ext cx="10204451" cy="5741041"/>
+            <a:off x="857504" y="426720"/>
+            <a:ext cx="3076035" cy="769441"/>
           </a:xfrm>
           <a:prstGeom prst="rect">
             <a:avLst/>
           </a:prstGeom>
           <a:noFill/>
-          <a:extLst>
-            <a:ext uri="{909E8E84-426E-40DD-AFC4-6F175D3DCCD1}">
-              <a14:hiddenFill xmlns:a14="http://schemas.microsoft.com/office/drawing/2010/main">
-                <a:solidFill>
-                  <a:srgbClr val="FFFFFF"/>
-                </a:solidFill>
-              </a14:hiddenFill>
-            </a:ext>
-          </a:extLst>
         </p:spPr>
-      </p:pic>
+        <p:txBody>
+          <a:bodyPr wrap="none" rtlCol="0">
+            <a:spAutoFit/>
+          </a:bodyPr>
+          <a:lstStyle/>
+          <a:p>
+            <a:r>
+              <a:rPr lang="en-US" sz="4400" dirty="0"/>
+              <a:t>Other points</a:t>
+            </a:r>
+          </a:p>
+        </p:txBody>
+      </p:sp>
+      <p:sp>
+        <p:nvSpPr>
+          <p:cNvPr id="5" name="TextBox 4">
+            <a:extLst>
+              <a:ext uri="{FF2B5EF4-FFF2-40B4-BE49-F238E27FC236}">
+                <a16:creationId xmlns:a16="http://schemas.microsoft.com/office/drawing/2014/main" id="{D47F873E-581E-2544-8090-FED60755551A}"/>
+              </a:ext>
+            </a:extLst>
+          </p:cNvPr>
+          <p:cNvSpPr txBox="1"/>
+          <p:nvPr/>
+        </p:nvSpPr>
+        <p:spPr>
+          <a:xfrm>
+            <a:off x="857504" y="1353456"/>
+            <a:ext cx="10928096" cy="4278094"/>
+          </a:xfrm>
+          <a:prstGeom prst="rect">
+            <a:avLst/>
+          </a:prstGeom>
+          <a:noFill/>
+        </p:spPr>
+        <p:txBody>
+          <a:bodyPr wrap="square" rtlCol="0">
+            <a:spAutoFit/>
+          </a:bodyPr>
+          <a:lstStyle/>
+          <a:p>
+            <a:pPr marL="571500" indent="-571500">
+              <a:buFont typeface="Arial" panose="020B0604020202020204" pitchFamily="34" charset="0"/>
+              <a:buChar char="•"/>
+            </a:pPr>
+            <a:r>
+              <a:rPr lang="en-US" sz="2400" dirty="0"/>
+              <a:t>Ethical issues:</a:t>
+            </a:r>
+          </a:p>
+          <a:p>
+            <a:pPr marL="800100" lvl="1" indent="-342900">
+              <a:buFontTx/>
+              <a:buChar char="-"/>
+            </a:pPr>
+            <a:r>
+              <a:rPr lang="en-US" sz="2000" dirty="0"/>
+              <a:t>Idea for quiz came from a CNN quiz, but is attributed to them </a:t>
+            </a:r>
+            <a:r>
+              <a:rPr lang="en-US" sz="2000"/>
+              <a:t>in the code</a:t>
+            </a:r>
+            <a:endParaRPr lang="en-US" sz="2000" dirty="0"/>
+          </a:p>
+          <a:p>
+            <a:pPr marL="800100" lvl="1" indent="-342900">
+              <a:buFontTx/>
+              <a:buChar char="-"/>
+            </a:pPr>
+            <a:r>
+              <a:rPr lang="en-US" sz="2000" dirty="0"/>
+              <a:t>Trump could get a Twitter account again making last question incorrect</a:t>
+            </a:r>
+          </a:p>
+          <a:p>
+            <a:pPr marL="800100" lvl="1" indent="-342900">
+              <a:buFontTx/>
+              <a:buChar char="-"/>
+            </a:pPr>
+            <a:r>
+              <a:rPr lang="en-US" sz="2000" dirty="0"/>
+              <a:t>As Trump doesn’t have an account any more, there is no way to verify answers being correct</a:t>
+            </a:r>
+          </a:p>
+          <a:p>
+            <a:pPr lvl="1"/>
+            <a:endParaRPr lang="en-US" sz="2000" dirty="0"/>
+          </a:p>
+          <a:p>
+            <a:pPr marL="590550" lvl="1" indent="-590550">
+              <a:buFont typeface="Arial" panose="020B0604020202020204" pitchFamily="34" charset="0"/>
+              <a:buChar char="•"/>
+            </a:pPr>
+            <a:r>
+              <a:rPr lang="en-US" sz="2400" dirty="0"/>
+              <a:t>Wishlist items:</a:t>
+            </a:r>
+            <a:endParaRPr lang="en-US" sz="2000" dirty="0"/>
+          </a:p>
+          <a:p>
+            <a:pPr marL="800100" lvl="1" indent="-342900">
+              <a:buFontTx/>
+              <a:buChar char="-"/>
+            </a:pPr>
+            <a:r>
+              <a:rPr lang="en-US" sz="2000" dirty="0"/>
+              <a:t>Display ascii image of Trump or Kanye, depending on who the user entered for answers more often</a:t>
+            </a:r>
+          </a:p>
+          <a:p>
+            <a:pPr marL="800100" lvl="1" indent="-342900">
+              <a:buFontTx/>
+              <a:buChar char="-"/>
+            </a:pPr>
+            <a:r>
+              <a:rPr lang="en-US" sz="2000" dirty="0"/>
+              <a:t>Store user scores</a:t>
+            </a:r>
+          </a:p>
+          <a:p>
+            <a:pPr marL="800100" lvl="1" indent="-342900">
+              <a:buFontTx/>
+              <a:buChar char="-"/>
+            </a:pPr>
+            <a:r>
+              <a:rPr lang="en-US" sz="2000" dirty="0"/>
+              <a:t>Remove duplication in gamble question code</a:t>
+            </a:r>
+          </a:p>
+          <a:p>
+            <a:pPr lvl="1"/>
+            <a:endParaRPr lang="en-US" sz="2000" dirty="0"/>
+          </a:p>
+          <a:p>
+            <a:pPr marL="590550" lvl="1" indent="-590550">
+              <a:buFont typeface="Arial" panose="020B0604020202020204" pitchFamily="34" charset="0"/>
+              <a:buChar char="•"/>
+            </a:pPr>
+            <a:r>
+              <a:rPr lang="en-US" sz="2400" dirty="0"/>
+              <a:t>Most enjoyable part?</a:t>
+            </a:r>
+          </a:p>
+          <a:p>
+            <a:pPr marL="800100" lvl="1" indent="-342900">
+              <a:buFontTx/>
+              <a:buChar char="-"/>
+            </a:pPr>
+            <a:r>
+              <a:rPr lang="en-US" sz="2000" dirty="0"/>
+              <a:t>Working out how to improve the user experience to make the app easy to understand and use</a:t>
+            </a:r>
+          </a:p>
+        </p:txBody>
+      </p:sp>
     </p:spTree>
     <p:extLst>
       <p:ext uri="{BB962C8B-B14F-4D97-AF65-F5344CB8AC3E}">
-        <p14:creationId xmlns:p14="http://schemas.microsoft.com/office/powerpoint/2010/main" val="1956131157"/>
+        <p14:creationId xmlns:p14="http://schemas.microsoft.com/office/powerpoint/2010/main" val="236066345"/>
       </p:ext>
     </p:extLst>
   </p:cSld>

--- a/T1A3 presentation.pptx
+++ b/T1A3 presentation.pptx
@@ -4587,7 +4587,7 @@
         <p:spPr>
           <a:xfrm>
             <a:off x="6432298" y="4648199"/>
-            <a:ext cx="4298696" cy="1200329"/>
+            <a:ext cx="4298696" cy="830997"/>
           </a:xfrm>
           <a:prstGeom prst="rect">
             <a:avLst/>
@@ -4606,8 +4606,13 @@
             </a:pPr>
             <a:r>
               <a:rPr lang="en-US" sz="2400" dirty="0"/>
-              <a:t>Users can choose Yes or No at end to gamble their points on last question</a:t>
-            </a:r>
+              <a:t>Increased visibility for instructions</a:t>
+            </a:r>
+            <a:r>
+              <a:rPr lang="en-US" sz="2400"/>
+              <a:t>, improving UX</a:t>
+            </a:r>
+            <a:endParaRPr lang="en-US" sz="2400" dirty="0"/>
           </a:p>
         </p:txBody>
       </p:sp>
@@ -4635,6 +4640,36 @@
           <a:xfrm>
             <a:off x="857504" y="1596844"/>
             <a:ext cx="4864100" cy="2832100"/>
+          </a:xfrm>
+          <a:prstGeom prst="rect">
+            <a:avLst/>
+          </a:prstGeom>
+        </p:spPr>
+      </p:pic>
+      <p:pic>
+        <p:nvPicPr>
+          <p:cNvPr id="3" name="Picture 2">
+            <a:extLst>
+              <a:ext uri="{FF2B5EF4-FFF2-40B4-BE49-F238E27FC236}">
+                <a16:creationId xmlns:a16="http://schemas.microsoft.com/office/drawing/2014/main" id="{18EA96DC-0A94-124C-A1ED-4BBA67F5D41A}"/>
+              </a:ext>
+            </a:extLst>
+          </p:cNvPr>
+          <p:cNvPicPr>
+            <a:picLocks noChangeAspect="1"/>
+          </p:cNvPicPr>
+          <p:nvPr/>
+        </p:nvPicPr>
+        <p:blipFill>
+          <a:blip r:embed="rId3"/>
+          <a:stretch>
+            <a:fillRect/>
+          </a:stretch>
+        </p:blipFill>
+        <p:spPr>
+          <a:xfrm>
+            <a:off x="6432298" y="1596844"/>
+            <a:ext cx="4889500" cy="2908300"/>
           </a:xfrm>
           <a:prstGeom prst="rect">
             <a:avLst/>
@@ -4750,13 +4785,8 @@
             </a:pPr>
             <a:r>
               <a:rPr lang="en-US" sz="2000" dirty="0"/>
-              <a:t>Idea for quiz came from a CNN quiz, but is attributed to them </a:t>
-            </a:r>
-            <a:r>
-              <a:rPr lang="en-US" sz="2000"/>
-              <a:t>in the code</a:t>
-            </a:r>
-            <a:endParaRPr lang="en-US" sz="2000" dirty="0"/>
+              <a:t>Idea for quiz came from a CNN quiz, but is attributed to them in the code</a:t>
+            </a:r>
           </a:p>
           <a:p>
             <a:pPr marL="800100" lvl="1" indent="-342900">

--- a/T1A3 presentation.pptx
+++ b/T1A3 presentation.pptx
@@ -3483,8 +3483,8 @@
         </p:blipFill>
         <p:spPr bwMode="auto">
           <a:xfrm>
-            <a:off x="492577" y="535213"/>
-            <a:ext cx="10204451" cy="5741041"/>
+            <a:off x="492578" y="1449778"/>
+            <a:ext cx="8578852" cy="4826476"/>
           </a:xfrm>
           <a:prstGeom prst="rect">
             <a:avLst/>
@@ -3501,6 +3501,42 @@
           </a:extLst>
         </p:spPr>
       </p:pic>
+      <p:sp>
+        <p:nvSpPr>
+          <p:cNvPr id="6" name="TextBox 5">
+            <a:extLst>
+              <a:ext uri="{FF2B5EF4-FFF2-40B4-BE49-F238E27FC236}">
+                <a16:creationId xmlns:a16="http://schemas.microsoft.com/office/drawing/2014/main" id="{DFD64BB8-1B1C-DB40-8B86-F47B73069023}"/>
+              </a:ext>
+            </a:extLst>
+          </p:cNvPr>
+          <p:cNvSpPr txBox="1"/>
+          <p:nvPr/>
+        </p:nvSpPr>
+        <p:spPr>
+          <a:xfrm>
+            <a:off x="768604" y="452120"/>
+            <a:ext cx="3933128" cy="769441"/>
+          </a:xfrm>
+          <a:prstGeom prst="rect">
+            <a:avLst/>
+          </a:prstGeom>
+          <a:noFill/>
+        </p:spPr>
+        <p:txBody>
+          <a:bodyPr wrap="none" rtlCol="0">
+            <a:spAutoFit/>
+          </a:bodyPr>
+          <a:lstStyle/>
+          <a:p>
+            <a:r>
+              <a:rPr lang="en-US" sz="4400"/>
+              <a:t>Dragon energy…</a:t>
+            </a:r>
+            <a:endParaRPr lang="en-US" sz="4400" dirty="0"/>
+          </a:p>
+        </p:txBody>
+      </p:sp>
     </p:spTree>
     <p:extLst>
       <p:ext uri="{BB962C8B-B14F-4D97-AF65-F5344CB8AC3E}">
@@ -3949,10 +3985,10 @@
       </p:sp>
       <p:sp>
         <p:nvSpPr>
-          <p:cNvPr id="4" name="TextBox 3">
-            <a:extLst>
-              <a:ext uri="{FF2B5EF4-FFF2-40B4-BE49-F238E27FC236}">
-                <a16:creationId xmlns:a16="http://schemas.microsoft.com/office/drawing/2014/main" id="{679DC0B9-A1A7-9849-AFCC-F67E6C088B7E}"/>
+          <p:cNvPr id="5" name="TextBox 4">
+            <a:extLst>
+              <a:ext uri="{FF2B5EF4-FFF2-40B4-BE49-F238E27FC236}">
+                <a16:creationId xmlns:a16="http://schemas.microsoft.com/office/drawing/2014/main" id="{F5A2A115-08F6-4C4D-8C52-21507EE3ECB2}"/>
               </a:ext>
             </a:extLst>
           </p:cNvPr>
@@ -3961,8 +3997,8 @@
         </p:nvSpPr>
         <p:spPr>
           <a:xfrm>
-            <a:off x="950976" y="6035040"/>
-            <a:ext cx="3340017" cy="369332"/>
+            <a:off x="9380909" y="1720840"/>
+            <a:ext cx="1443881" cy="3416320"/>
           </a:xfrm>
           <a:prstGeom prst="rect">
             <a:avLst/>
@@ -3970,13 +4006,13 @@
           <a:noFill/>
         </p:spPr>
         <p:txBody>
-          <a:bodyPr wrap="none" rtlCol="0">
+          <a:bodyPr wrap="square" rtlCol="0">
             <a:spAutoFit/>
           </a:bodyPr>
           <a:lstStyle/>
           <a:p>
             <a:r>
-              <a:rPr lang="en-US" dirty="0">
+              <a:rPr lang="en-US" sz="3600" dirty="0">
                 <a:solidFill>
                   <a:srgbClr val="FF0000"/>
                 </a:solidFill>
@@ -4059,51 +4095,12 @@
           </a:p>
         </p:txBody>
       </p:sp>
-      <p:sp>
-        <p:nvSpPr>
-          <p:cNvPr id="4" name="TextBox 3">
-            <a:extLst>
-              <a:ext uri="{FF2B5EF4-FFF2-40B4-BE49-F238E27FC236}">
-                <a16:creationId xmlns:a16="http://schemas.microsoft.com/office/drawing/2014/main" id="{679DC0B9-A1A7-9849-AFCC-F67E6C088B7E}"/>
-              </a:ext>
-            </a:extLst>
-          </p:cNvPr>
-          <p:cNvSpPr txBox="1"/>
-          <p:nvPr/>
-        </p:nvSpPr>
-        <p:spPr>
-          <a:xfrm>
-            <a:off x="10353366" y="375920"/>
-            <a:ext cx="1443881" cy="923330"/>
-          </a:xfrm>
-          <a:prstGeom prst="rect">
-            <a:avLst/>
-          </a:prstGeom>
-          <a:noFill/>
-        </p:spPr>
-        <p:txBody>
-          <a:bodyPr wrap="square" rtlCol="0">
-            <a:spAutoFit/>
-          </a:bodyPr>
-          <a:lstStyle/>
-          <a:p>
-            <a:r>
-              <a:rPr lang="en-US" dirty="0">
-                <a:solidFill>
-                  <a:srgbClr val="FF0000"/>
-                </a:solidFill>
-              </a:rPr>
-              <a:t>Add more details here from video</a:t>
-            </a:r>
-          </a:p>
-        </p:txBody>
-      </p:sp>
       <p:pic>
         <p:nvPicPr>
-          <p:cNvPr id="6" name="Picture 5">
-            <a:extLst>
-              <a:ext uri="{FF2B5EF4-FFF2-40B4-BE49-F238E27FC236}">
-                <a16:creationId xmlns:a16="http://schemas.microsoft.com/office/drawing/2014/main" id="{C2782B39-9286-AB4B-8BF6-38411F16EDEE}"/>
+          <p:cNvPr id="7" name="Picture 6">
+            <a:extLst>
+              <a:ext uri="{FF2B5EF4-FFF2-40B4-BE49-F238E27FC236}">
+                <a16:creationId xmlns:a16="http://schemas.microsoft.com/office/drawing/2014/main" id="{156A7D21-93D6-7945-9D30-B46E573E4490}"/>
               </a:ext>
             </a:extLst>
           </p:cNvPr>
@@ -4120,8 +4117,8 @@
         </p:blipFill>
         <p:spPr>
           <a:xfrm>
-            <a:off x="857504" y="1403157"/>
-            <a:ext cx="7880096" cy="5028123"/>
+            <a:off x="857504" y="1196162"/>
+            <a:ext cx="6864096" cy="5342390"/>
           </a:xfrm>
           <a:prstGeom prst="rect">
             <a:avLst/>
@@ -4606,13 +4603,8 @@
             </a:pPr>
             <a:r>
               <a:rPr lang="en-US" sz="2400" dirty="0"/>
-              <a:t>Increased visibility for instructions</a:t>
-            </a:r>
-            <a:r>
-              <a:rPr lang="en-US" sz="2400"/>
-              <a:t>, improving UX</a:t>
-            </a:r>
-            <a:endParaRPr lang="en-US" sz="2400" dirty="0"/>
+              <a:t>Increased visibility for instructions, improving UX</a:t>
+            </a:r>
           </a:p>
         </p:txBody>
       </p:sp>
@@ -4756,7 +4748,7 @@
         <p:spPr>
           <a:xfrm>
             <a:off x="857504" y="1353456"/>
-            <a:ext cx="10928096" cy="4278094"/>
+            <a:ext cx="10928096" cy="3970318"/>
           </a:xfrm>
           <a:prstGeom prst="rect">
             <a:avLst/>
@@ -4841,16 +4833,6 @@
             <a:r>
               <a:rPr lang="en-US" sz="2000" dirty="0"/>
               <a:t>Store user scores</a:t>
-            </a:r>
-          </a:p>
-          <a:p>
-            <a:pPr marL="800100" lvl="1" indent="-342900">
-              <a:buFontTx/>
-              <a:buChar char="-"/>
-            </a:pPr>
-            <a:r>
-              <a:rPr lang="en-US" sz="2000" dirty="0"/>
-              <a:t>Remove duplication in gamble question code</a:t>
             </a:r>
           </a:p>
           <a:p>
